--- a/Week15/04 Dog Rescue - Create Table Entities.pptx
+++ b/Week15/04 Dog Rescue - Create Table Entities.pptx
@@ -121,6 +121,35 @@
 </p:presentation>
 </file>
 
+<file path=ppt/changesInfos/changesInfo1.xml><?xml version="1.0" encoding="utf-8"?>
+<pc:chgInfo xmlns:a="http://schemas.openxmlformats.org/drawingml/2006/main" xmlns:r="http://schemas.openxmlformats.org/officeDocument/2006/relationships" xmlns:ac="http://schemas.microsoft.com/office/drawing/2013/main/command" xmlns:pc="http://schemas.microsoft.com/office/powerpoint/2013/main/command">
+  <pc:docChgLst>
+    <pc:chgData name="Chuck Kiefriter" userId="a996b49251c4dfd2" providerId="LiveId" clId="{BF114E14-DD8B-4DDF-B56C-8F52C4C17447}"/>
+    <pc:docChg chg="modSld">
+      <pc:chgData name="Chuck Kiefriter" userId="a996b49251c4dfd2" providerId="LiveId" clId="{BF114E14-DD8B-4DDF-B56C-8F52C4C17447}" dt="2024-05-15T23:28:31.631" v="0" actId="14100"/>
+      <pc:docMkLst>
+        <pc:docMk/>
+      </pc:docMkLst>
+      <pc:sldChg chg="modSp mod">
+        <pc:chgData name="Chuck Kiefriter" userId="a996b49251c4dfd2" providerId="LiveId" clId="{BF114E14-DD8B-4DDF-B56C-8F52C4C17447}" dt="2024-05-15T23:28:31.631" v="0" actId="14100"/>
+        <pc:sldMkLst>
+          <pc:docMk/>
+          <pc:sldMk cId="4047861376" sldId="258"/>
+        </pc:sldMkLst>
+        <pc:spChg chg="mod">
+          <ac:chgData name="Chuck Kiefriter" userId="a996b49251c4dfd2" providerId="LiveId" clId="{BF114E14-DD8B-4DDF-B56C-8F52C4C17447}" dt="2024-05-15T23:28:31.631" v="0" actId="14100"/>
+          <ac:spMkLst>
+            <pc:docMk/>
+            <pc:sldMk cId="4047861376" sldId="258"/>
+            <ac:spMk id="3" creationId="{5A690FB5-8BEA-AD14-4864-DF5752BD3C60}"/>
+          </ac:spMkLst>
+        </pc:spChg>
+      </pc:sldChg>
+    </pc:docChg>
+  </pc:docChgLst>
+</pc:chgInfo>
+</file>
+
 <file path=ppt/slideLayouts/slideLayout1.xml><?xml version="1.0" encoding="utf-8"?>
 <p:sldLayout xmlns:a="http://schemas.openxmlformats.org/drawingml/2006/main" xmlns:r="http://schemas.openxmlformats.org/officeDocument/2006/relationships" xmlns:p="http://schemas.openxmlformats.org/presentationml/2006/main" type="title" preserve="1">
   <p:cSld name="Title Slide">
@@ -252,7 +281,7 @@
           <a:p>
             <a:fld id="{0EB64090-30B3-42C9-89C1-CB6C2EE58443}" type="datetimeFigureOut">
               <a:rPr lang="en-US" smtClean="0"/>
-              <a:t>1/6/2023</a:t>
+              <a:t>5/15/2024</a:t>
             </a:fld>
             <a:endParaRPr lang="en-US"/>
           </a:p>
@@ -422,7 +451,7 @@
           <a:p>
             <a:fld id="{0EB64090-30B3-42C9-89C1-CB6C2EE58443}" type="datetimeFigureOut">
               <a:rPr lang="en-US" smtClean="0"/>
-              <a:t>1/6/2023</a:t>
+              <a:t>5/15/2024</a:t>
             </a:fld>
             <a:endParaRPr lang="en-US"/>
           </a:p>
@@ -602,7 +631,7 @@
           <a:p>
             <a:fld id="{0EB64090-30B3-42C9-89C1-CB6C2EE58443}" type="datetimeFigureOut">
               <a:rPr lang="en-US" smtClean="0"/>
-              <a:t>1/6/2023</a:t>
+              <a:t>5/15/2024</a:t>
             </a:fld>
             <a:endParaRPr lang="en-US"/>
           </a:p>
@@ -772,7 +801,7 @@
           <a:p>
             <a:fld id="{0EB64090-30B3-42C9-89C1-CB6C2EE58443}" type="datetimeFigureOut">
               <a:rPr lang="en-US" smtClean="0"/>
-              <a:t>1/6/2023</a:t>
+              <a:t>5/15/2024</a:t>
             </a:fld>
             <a:endParaRPr lang="en-US"/>
           </a:p>
@@ -1018,7 +1047,7 @@
           <a:p>
             <a:fld id="{0EB64090-30B3-42C9-89C1-CB6C2EE58443}" type="datetimeFigureOut">
               <a:rPr lang="en-US" smtClean="0"/>
-              <a:t>1/6/2023</a:t>
+              <a:t>5/15/2024</a:t>
             </a:fld>
             <a:endParaRPr lang="en-US"/>
           </a:p>
@@ -1250,7 +1279,7 @@
           <a:p>
             <a:fld id="{0EB64090-30B3-42C9-89C1-CB6C2EE58443}" type="datetimeFigureOut">
               <a:rPr lang="en-US" smtClean="0"/>
-              <a:t>1/6/2023</a:t>
+              <a:t>5/15/2024</a:t>
             </a:fld>
             <a:endParaRPr lang="en-US"/>
           </a:p>
@@ -1617,7 +1646,7 @@
           <a:p>
             <a:fld id="{0EB64090-30B3-42C9-89C1-CB6C2EE58443}" type="datetimeFigureOut">
               <a:rPr lang="en-US" smtClean="0"/>
-              <a:t>1/6/2023</a:t>
+              <a:t>5/15/2024</a:t>
             </a:fld>
             <a:endParaRPr lang="en-US"/>
           </a:p>
@@ -1735,7 +1764,7 @@
           <a:p>
             <a:fld id="{0EB64090-30B3-42C9-89C1-CB6C2EE58443}" type="datetimeFigureOut">
               <a:rPr lang="en-US" smtClean="0"/>
-              <a:t>1/6/2023</a:t>
+              <a:t>5/15/2024</a:t>
             </a:fld>
             <a:endParaRPr lang="en-US"/>
           </a:p>
@@ -1830,7 +1859,7 @@
           <a:p>
             <a:fld id="{0EB64090-30B3-42C9-89C1-CB6C2EE58443}" type="datetimeFigureOut">
               <a:rPr lang="en-US" smtClean="0"/>
-              <a:t>1/6/2023</a:t>
+              <a:t>5/15/2024</a:t>
             </a:fld>
             <a:endParaRPr lang="en-US"/>
           </a:p>
@@ -2107,7 +2136,7 @@
           <a:p>
             <a:fld id="{0EB64090-30B3-42C9-89C1-CB6C2EE58443}" type="datetimeFigureOut">
               <a:rPr lang="en-US" smtClean="0"/>
-              <a:t>1/6/2023</a:t>
+              <a:t>5/15/2024</a:t>
             </a:fld>
             <a:endParaRPr lang="en-US"/>
           </a:p>
@@ -2364,7 +2393,7 @@
           <a:p>
             <a:fld id="{0EB64090-30B3-42C9-89C1-CB6C2EE58443}" type="datetimeFigureOut">
               <a:rPr lang="en-US" smtClean="0"/>
-              <a:t>1/6/2023</a:t>
+              <a:t>5/15/2024</a:t>
             </a:fld>
             <a:endParaRPr lang="en-US"/>
           </a:p>
@@ -2577,7 +2606,7 @@
           <a:p>
             <a:fld id="{0EB64090-30B3-42C9-89C1-CB6C2EE58443}" type="datetimeFigureOut">
               <a:rPr lang="en-US" smtClean="0"/>
-              <a:t>1/6/2023</a:t>
+              <a:t>5/15/2024</a:t>
             </a:fld>
             <a:endParaRPr lang="en-US"/>
           </a:p>
@@ -3348,7 +3377,7 @@
         <p:spPr>
           <a:xfrm>
             <a:off x="838200" y="1825625"/>
-            <a:ext cx="6059905" cy="4351338"/>
+            <a:ext cx="11003280" cy="4351338"/>
           </a:xfrm>
         </p:spPr>
         <p:txBody>
